--- a/Section03/RemoteSensing/RemoteSensing.pptx
+++ b/Section03/RemoteSensing/RemoteSensing.pptx
@@ -9140,14 +9140,14 @@
   <p:clrMapOvr>
     <a:masterClrMapping/>
   </p:clrMapOvr>
-  <mc:AlternateContent xmlns:mc="http://schemas.openxmlformats.org/markup-compatibility/2006" xmlns:p14="http://schemas.microsoft.com/office/powerpoint/2010/main">
-    <mc:Choice Requires="p14">
-      <p:transition spd="med" p14:dur="700" advTm="7173">
+  <mc:AlternateContent xmlns:mc="http://schemas.openxmlformats.org/markup-compatibility/2006">
+    <mc:Choice xmlns:p14="http://schemas.microsoft.com/office/powerpoint/2010/main" Requires="p14">
+      <p:transition spd="med" p14:dur="700" advTm="6502">
         <p:fade/>
       </p:transition>
     </mc:Choice>
-    <mc:Fallback xmlns="">
-      <p:transition spd="med" advTm="7173">
+    <mc:Fallback>
+      <p:transition spd="med" advTm="6502">
         <p:fade/>
       </p:transition>
     </mc:Fallback>
@@ -9253,14 +9253,14 @@
   <p:clrMapOvr>
     <a:masterClrMapping/>
   </p:clrMapOvr>
-  <mc:AlternateContent xmlns:mc="http://schemas.openxmlformats.org/markup-compatibility/2006" xmlns:p14="http://schemas.microsoft.com/office/powerpoint/2010/main">
-    <mc:Choice Requires="p14">
-      <p:transition spd="med" p14:dur="700" advTm="2084">
+  <mc:AlternateContent xmlns:mc="http://schemas.openxmlformats.org/markup-compatibility/2006">
+    <mc:Choice xmlns:p14="http://schemas.microsoft.com/office/powerpoint/2010/main" Requires="p14">
+      <p:transition spd="med" p14:dur="700" advTm="3973">
         <p:fade/>
       </p:transition>
     </mc:Choice>
-    <mc:Fallback xmlns="">
-      <p:transition spd="med" advTm="2084">
+    <mc:Fallback>
+      <p:transition spd="med" advTm="3973">
         <p:fade/>
       </p:transition>
     </mc:Fallback>
@@ -9745,14 +9745,14 @@
   <p:clrMapOvr>
     <a:masterClrMapping/>
   </p:clrMapOvr>
-  <mc:AlternateContent xmlns:mc="http://schemas.openxmlformats.org/markup-compatibility/2006" xmlns:p14="http://schemas.microsoft.com/office/powerpoint/2010/main">
-    <mc:Choice Requires="p14">
-      <p:transition spd="med" p14:dur="700" advTm="15753">
+  <mc:AlternateContent xmlns:mc="http://schemas.openxmlformats.org/markup-compatibility/2006">
+    <mc:Choice xmlns:p14="http://schemas.microsoft.com/office/powerpoint/2010/main" Requires="p14">
+      <p:transition spd="med" p14:dur="700" advTm="27033">
         <p:fade/>
       </p:transition>
     </mc:Choice>
-    <mc:Fallback xmlns="">
-      <p:transition spd="med" advTm="15753">
+    <mc:Fallback>
+      <p:transition spd="med" advTm="27033">
         <p:fade/>
       </p:transition>
     </mc:Fallback>
@@ -10112,14 +10112,14 @@
   <p:clrMapOvr>
     <a:masterClrMapping/>
   </p:clrMapOvr>
-  <mc:AlternateContent xmlns:mc="http://schemas.openxmlformats.org/markup-compatibility/2006" xmlns:p14="http://schemas.microsoft.com/office/powerpoint/2010/main">
-    <mc:Choice Requires="p14">
-      <p:transition spd="med" p14:dur="700" advTm="15753">
+  <mc:AlternateContent xmlns:mc="http://schemas.openxmlformats.org/markup-compatibility/2006">
+    <mc:Choice xmlns:p14="http://schemas.microsoft.com/office/powerpoint/2010/main" Requires="p14">
+      <p:transition spd="med" p14:dur="700" advTm="25398">
         <p:fade/>
       </p:transition>
     </mc:Choice>
-    <mc:Fallback xmlns="">
-      <p:transition spd="med" advTm="15753">
+    <mc:Fallback>
+      <p:transition spd="med" advTm="25398">
         <p:fade/>
       </p:transition>
     </mc:Fallback>
@@ -10184,14 +10184,14 @@
   <p:clrMapOvr>
     <a:masterClrMapping/>
   </p:clrMapOvr>
-  <mc:AlternateContent xmlns:mc="http://schemas.openxmlformats.org/markup-compatibility/2006" xmlns:p14="http://schemas.microsoft.com/office/powerpoint/2010/main">
-    <mc:Choice Requires="p14">
-      <p:transition spd="med" p14:dur="700" advTm="6305">
+  <mc:AlternateContent xmlns:mc="http://schemas.openxmlformats.org/markup-compatibility/2006">
+    <mc:Choice xmlns:p14="http://schemas.microsoft.com/office/powerpoint/2010/main" Requires="p14">
+      <p:transition spd="med" p14:dur="700" advTm="15713">
         <p:fade/>
       </p:transition>
     </mc:Choice>
-    <mc:Fallback xmlns="">
-      <p:transition spd="med" advTm="6305">
+    <mc:Fallback>
+      <p:transition spd="med" advTm="15713">
         <p:fade/>
       </p:transition>
     </mc:Fallback>
@@ -10424,14 +10424,14 @@
   <p:clrMapOvr>
     <a:masterClrMapping/>
   </p:clrMapOvr>
-  <mc:AlternateContent xmlns:mc="http://schemas.openxmlformats.org/markup-compatibility/2006" xmlns:p14="http://schemas.microsoft.com/office/powerpoint/2010/main">
-    <mc:Choice Requires="p14">
-      <p:transition spd="med" p14:dur="700" advTm="6305">
+  <mc:AlternateContent xmlns:mc="http://schemas.openxmlformats.org/markup-compatibility/2006">
+    <mc:Choice xmlns:p14="http://schemas.microsoft.com/office/powerpoint/2010/main" Requires="p14">
+      <p:transition spd="med" p14:dur="700" advTm="19191">
         <p:fade/>
       </p:transition>
     </mc:Choice>
-    <mc:Fallback xmlns="">
-      <p:transition spd="med" advTm="6305">
+    <mc:Fallback>
+      <p:transition spd="med" advTm="19191">
         <p:fade/>
       </p:transition>
     </mc:Fallback>
@@ -10513,14 +10513,14 @@
   <p:clrMapOvr>
     <a:masterClrMapping/>
   </p:clrMapOvr>
-  <mc:AlternateContent xmlns:mc="http://schemas.openxmlformats.org/markup-compatibility/2006" xmlns:p14="http://schemas.microsoft.com/office/powerpoint/2010/main">
-    <mc:Choice Requires="p14">
-      <p:transition spd="med" p14:dur="700" advTm="6305">
+  <mc:AlternateContent xmlns:mc="http://schemas.openxmlformats.org/markup-compatibility/2006">
+    <mc:Choice xmlns:p14="http://schemas.microsoft.com/office/powerpoint/2010/main" Requires="p14">
+      <p:transition spd="med" p14:dur="700" advTm="6667">
         <p:fade/>
       </p:transition>
     </mc:Choice>
-    <mc:Fallback xmlns="">
-      <p:transition spd="med" advTm="6305">
+    <mc:Fallback>
+      <p:transition spd="med" advTm="6667">
         <p:fade/>
       </p:transition>
     </mc:Fallback>
@@ -10649,14 +10649,14 @@
   <p:clrMapOvr>
     <a:masterClrMapping/>
   </p:clrMapOvr>
-  <mc:AlternateContent xmlns:mc="http://schemas.openxmlformats.org/markup-compatibility/2006" xmlns:p14="http://schemas.microsoft.com/office/powerpoint/2010/main">
-    <mc:Choice Requires="p14">
-      <p:transition spd="med" p14:dur="700" advTm="6305">
+  <mc:AlternateContent xmlns:mc="http://schemas.openxmlformats.org/markup-compatibility/2006">
+    <mc:Choice xmlns:p14="http://schemas.microsoft.com/office/powerpoint/2010/main" Requires="p14">
+      <p:transition spd="med" p14:dur="700" advTm="5165">
         <p:fade/>
       </p:transition>
     </mc:Choice>
-    <mc:Fallback xmlns="">
-      <p:transition spd="med" advTm="6305">
+    <mc:Fallback>
+      <p:transition spd="med" advTm="5165">
         <p:fade/>
       </p:transition>
     </mc:Fallback>
@@ -10738,14 +10738,14 @@
   <p:clrMapOvr>
     <a:masterClrMapping/>
   </p:clrMapOvr>
-  <mc:AlternateContent xmlns:mc="http://schemas.openxmlformats.org/markup-compatibility/2006" xmlns:p14="http://schemas.microsoft.com/office/powerpoint/2010/main">
-    <mc:Choice Requires="p14">
-      <p:transition spd="med" p14:dur="700" advTm="6305">
+  <mc:AlternateContent xmlns:mc="http://schemas.openxmlformats.org/markup-compatibility/2006">
+    <mc:Choice xmlns:p14="http://schemas.microsoft.com/office/powerpoint/2010/main" Requires="p14">
+      <p:transition spd="med" p14:dur="700" advTm="4415">
         <p:fade/>
       </p:transition>
     </mc:Choice>
-    <mc:Fallback xmlns="">
-      <p:transition spd="med" advTm="6305">
+    <mc:Fallback>
+      <p:transition spd="med" advTm="4415">
         <p:fade/>
       </p:transition>
     </mc:Fallback>
@@ -10877,14 +10877,14 @@
   <p:clrMapOvr>
     <a:masterClrMapping/>
   </p:clrMapOvr>
-  <mc:AlternateContent xmlns:mc="http://schemas.openxmlformats.org/markup-compatibility/2006" xmlns:p14="http://schemas.microsoft.com/office/powerpoint/2010/main">
-    <mc:Choice Requires="p14">
-      <p:transition spd="med" p14:dur="700" advTm="15753">
+  <mc:AlternateContent xmlns:mc="http://schemas.openxmlformats.org/markup-compatibility/2006">
+    <mc:Choice xmlns:p14="http://schemas.microsoft.com/office/powerpoint/2010/main" Requires="p14">
+      <p:transition spd="med" p14:dur="700" advTm="11901">
         <p:fade/>
       </p:transition>
     </mc:Choice>
-    <mc:Fallback xmlns="">
-      <p:transition spd="med" advTm="15753">
+    <mc:Fallback>
+      <p:transition spd="med" advTm="11901">
         <p:fade/>
       </p:transition>
     </mc:Fallback>
@@ -10949,14 +10949,14 @@
   <p:clrMapOvr>
     <a:masterClrMapping/>
   </p:clrMapOvr>
-  <mc:AlternateContent xmlns:mc="http://schemas.openxmlformats.org/markup-compatibility/2006" xmlns:p14="http://schemas.microsoft.com/office/powerpoint/2010/main">
-    <mc:Choice Requires="p14">
-      <p:transition spd="med" p14:dur="700" advTm="6305">
+  <mc:AlternateContent xmlns:mc="http://schemas.openxmlformats.org/markup-compatibility/2006">
+    <mc:Choice xmlns:p14="http://schemas.microsoft.com/office/powerpoint/2010/main" Requires="p14">
+      <p:transition spd="med" p14:dur="700" advTm="10198">
         <p:fade/>
       </p:transition>
     </mc:Choice>
-    <mc:Fallback xmlns="">
-      <p:transition spd="med" advTm="6305">
+    <mc:Fallback>
+      <p:transition spd="med" advTm="10198">
         <p:fade/>
       </p:transition>
     </mc:Fallback>
@@ -11104,14 +11104,14 @@
   <p:clrMapOvr>
     <a:masterClrMapping/>
   </p:clrMapOvr>
-  <mc:AlternateContent xmlns:mc="http://schemas.openxmlformats.org/markup-compatibility/2006" xmlns:p14="http://schemas.microsoft.com/office/powerpoint/2010/main">
-    <mc:Choice Requires="p14">
-      <p:transition spd="med" p14:dur="700" advTm="19794">
+  <mc:AlternateContent xmlns:mc="http://schemas.openxmlformats.org/markup-compatibility/2006">
+    <mc:Choice xmlns:p14="http://schemas.microsoft.com/office/powerpoint/2010/main" Requires="p14">
+      <p:transition spd="med" p14:dur="700" advTm="20835">
         <p:fade/>
       </p:transition>
     </mc:Choice>
-    <mc:Fallback xmlns="">
-      <p:transition spd="med" advTm="19794">
+    <mc:Fallback>
+      <p:transition spd="med" advTm="20835">
         <p:fade/>
       </p:transition>
     </mc:Fallback>
@@ -11176,14 +11176,14 @@
   <p:clrMapOvr>
     <a:masterClrMapping/>
   </p:clrMapOvr>
-  <mc:AlternateContent xmlns:mc="http://schemas.openxmlformats.org/markup-compatibility/2006" xmlns:p14="http://schemas.microsoft.com/office/powerpoint/2010/main">
-    <mc:Choice Requires="p14">
-      <p:transition spd="med" p14:dur="700" advTm="6305">
+  <mc:AlternateContent xmlns:mc="http://schemas.openxmlformats.org/markup-compatibility/2006">
+    <mc:Choice xmlns:p14="http://schemas.microsoft.com/office/powerpoint/2010/main" Requires="p14">
+      <p:transition spd="med" p14:dur="700" advTm="3395">
         <p:fade/>
       </p:transition>
     </mc:Choice>
-    <mc:Fallback xmlns="">
-      <p:transition spd="med" advTm="6305">
+    <mc:Fallback>
+      <p:transition spd="med" advTm="3395">
         <p:fade/>
       </p:transition>
     </mc:Fallback>
@@ -11248,14 +11248,14 @@
   <p:clrMapOvr>
     <a:masterClrMapping/>
   </p:clrMapOvr>
-  <mc:AlternateContent xmlns:mc="http://schemas.openxmlformats.org/markup-compatibility/2006" xmlns:p14="http://schemas.microsoft.com/office/powerpoint/2010/main">
-    <mc:Choice Requires="p14">
-      <p:transition spd="med" p14:dur="700" advTm="6305">
+  <mc:AlternateContent xmlns:mc="http://schemas.openxmlformats.org/markup-compatibility/2006">
+    <mc:Choice xmlns:p14="http://schemas.microsoft.com/office/powerpoint/2010/main" Requires="p14">
+      <p:transition spd="med" p14:dur="700" advTm="5071">
         <p:fade/>
       </p:transition>
     </mc:Choice>
-    <mc:Fallback xmlns="">
-      <p:transition spd="med" advTm="6305">
+    <mc:Fallback>
+      <p:transition spd="med" advTm="5071">
         <p:fade/>
       </p:transition>
     </mc:Fallback>
@@ -11320,14 +11320,14 @@
   <p:clrMapOvr>
     <a:masterClrMapping/>
   </p:clrMapOvr>
-  <mc:AlternateContent xmlns:mc="http://schemas.openxmlformats.org/markup-compatibility/2006" xmlns:p14="http://schemas.microsoft.com/office/powerpoint/2010/main">
-    <mc:Choice Requires="p14">
-      <p:transition spd="med" p14:dur="700" advTm="6305">
+  <mc:AlternateContent xmlns:mc="http://schemas.openxmlformats.org/markup-compatibility/2006">
+    <mc:Choice xmlns:p14="http://schemas.microsoft.com/office/powerpoint/2010/main" Requires="p14">
+      <p:transition spd="med" p14:dur="700" advTm="5683">
         <p:fade/>
       </p:transition>
     </mc:Choice>
-    <mc:Fallback xmlns="">
-      <p:transition spd="med" advTm="6305">
+    <mc:Fallback>
+      <p:transition spd="med" advTm="5683">
         <p:fade/>
       </p:transition>
     </mc:Fallback>
@@ -11392,14 +11392,14 @@
   <p:clrMapOvr>
     <a:masterClrMapping/>
   </p:clrMapOvr>
-  <mc:AlternateContent xmlns:mc="http://schemas.openxmlformats.org/markup-compatibility/2006" xmlns:p14="http://schemas.microsoft.com/office/powerpoint/2010/main">
-    <mc:Choice Requires="p14">
-      <p:transition spd="med" p14:dur="700" advTm="6305">
+  <mc:AlternateContent xmlns:mc="http://schemas.openxmlformats.org/markup-compatibility/2006">
+    <mc:Choice xmlns:p14="http://schemas.microsoft.com/office/powerpoint/2010/main" Requires="p14">
+      <p:transition spd="med" p14:dur="700" advTm="5738">
         <p:fade/>
       </p:transition>
     </mc:Choice>
-    <mc:Fallback xmlns="">
-      <p:transition spd="med" advTm="6305">
+    <mc:Fallback>
+      <p:transition spd="med" advTm="5738">
         <p:fade/>
       </p:transition>
     </mc:Fallback>
@@ -11464,14 +11464,14 @@
   <p:clrMapOvr>
     <a:masterClrMapping/>
   </p:clrMapOvr>
-  <mc:AlternateContent xmlns:mc="http://schemas.openxmlformats.org/markup-compatibility/2006" xmlns:p14="http://schemas.microsoft.com/office/powerpoint/2010/main">
-    <mc:Choice Requires="p14">
-      <p:transition spd="med" p14:dur="700" advTm="6305">
+  <mc:AlternateContent xmlns:mc="http://schemas.openxmlformats.org/markup-compatibility/2006">
+    <mc:Choice xmlns:p14="http://schemas.microsoft.com/office/powerpoint/2010/main" Requires="p14">
+      <p:transition spd="med" p14:dur="700" advTm="10636">
         <p:fade/>
       </p:transition>
     </mc:Choice>
-    <mc:Fallback xmlns="">
-      <p:transition spd="med" advTm="6305">
+    <mc:Fallback>
+      <p:transition spd="med" advTm="10636">
         <p:fade/>
       </p:transition>
     </mc:Fallback>
@@ -11536,14 +11536,14 @@
   <p:clrMapOvr>
     <a:masterClrMapping/>
   </p:clrMapOvr>
-  <mc:AlternateContent xmlns:mc="http://schemas.openxmlformats.org/markup-compatibility/2006" xmlns:p14="http://schemas.microsoft.com/office/powerpoint/2010/main">
-    <mc:Choice Requires="p14">
-      <p:transition spd="med" p14:dur="700" advTm="6305">
+  <mc:AlternateContent xmlns:mc="http://schemas.openxmlformats.org/markup-compatibility/2006">
+    <mc:Choice xmlns:p14="http://schemas.microsoft.com/office/powerpoint/2010/main" Requires="p14">
+      <p:transition spd="med" p14:dur="700" advTm="6102">
         <p:fade/>
       </p:transition>
     </mc:Choice>
-    <mc:Fallback xmlns="">
-      <p:transition spd="med" advTm="6305">
+    <mc:Fallback>
+      <p:transition spd="med" advTm="6102">
         <p:fade/>
       </p:transition>
     </mc:Fallback>
@@ -11608,14 +11608,14 @@
   <p:clrMapOvr>
     <a:masterClrMapping/>
   </p:clrMapOvr>
-  <mc:AlternateContent xmlns:mc="http://schemas.openxmlformats.org/markup-compatibility/2006" xmlns:p14="http://schemas.microsoft.com/office/powerpoint/2010/main">
-    <mc:Choice Requires="p14">
-      <p:transition spd="med" p14:dur="700" advTm="6305">
+  <mc:AlternateContent xmlns:mc="http://schemas.openxmlformats.org/markup-compatibility/2006">
+    <mc:Choice xmlns:p14="http://schemas.microsoft.com/office/powerpoint/2010/main" Requires="p14">
+      <p:transition spd="med" p14:dur="700" advTm="7440">
         <p:fade/>
       </p:transition>
     </mc:Choice>
-    <mc:Fallback xmlns="">
-      <p:transition spd="med" advTm="6305">
+    <mc:Fallback>
+      <p:transition spd="med" advTm="7440">
         <p:fade/>
       </p:transition>
     </mc:Fallback>
@@ -11680,14 +11680,14 @@
   <p:clrMapOvr>
     <a:masterClrMapping/>
   </p:clrMapOvr>
-  <mc:AlternateContent xmlns:mc="http://schemas.openxmlformats.org/markup-compatibility/2006" xmlns:p14="http://schemas.microsoft.com/office/powerpoint/2010/main">
-    <mc:Choice Requires="p14">
-      <p:transition spd="med" p14:dur="700" advTm="6305">
+  <mc:AlternateContent xmlns:mc="http://schemas.openxmlformats.org/markup-compatibility/2006">
+    <mc:Choice xmlns:p14="http://schemas.microsoft.com/office/powerpoint/2010/main" Requires="p14">
+      <p:transition spd="med" p14:dur="700" advTm="5435">
         <p:fade/>
       </p:transition>
     </mc:Choice>
-    <mc:Fallback xmlns="">
-      <p:transition spd="med" advTm="6305">
+    <mc:Fallback>
+      <p:transition spd="med" advTm="5435">
         <p:fade/>
       </p:transition>
     </mc:Fallback>
@@ -11752,14 +11752,14 @@
   <p:clrMapOvr>
     <a:masterClrMapping/>
   </p:clrMapOvr>
-  <mc:AlternateContent xmlns:mc="http://schemas.openxmlformats.org/markup-compatibility/2006" xmlns:p14="http://schemas.microsoft.com/office/powerpoint/2010/main">
-    <mc:Choice Requires="p14">
-      <p:transition spd="med" p14:dur="700" advTm="6305">
+  <mc:AlternateContent xmlns:mc="http://schemas.openxmlformats.org/markup-compatibility/2006">
+    <mc:Choice xmlns:p14="http://schemas.microsoft.com/office/powerpoint/2010/main" Requires="p14">
+      <p:transition spd="med" p14:dur="700" advTm="5418">
         <p:fade/>
       </p:transition>
     </mc:Choice>
-    <mc:Fallback xmlns="">
-      <p:transition spd="med" advTm="6305">
+    <mc:Fallback>
+      <p:transition spd="med" advTm="5418">
         <p:fade/>
       </p:transition>
     </mc:Fallback>
@@ -11865,14 +11865,14 @@
   <p:clrMapOvr>
     <a:masterClrMapping/>
   </p:clrMapOvr>
-  <mc:AlternateContent xmlns:mc="http://schemas.openxmlformats.org/markup-compatibility/2006" xmlns:p14="http://schemas.microsoft.com/office/powerpoint/2010/main">
-    <mc:Choice Requires="p14">
-      <p:transition spd="med" p14:dur="700" advTm="2383">
+  <mc:AlternateContent xmlns:mc="http://schemas.openxmlformats.org/markup-compatibility/2006">
+    <mc:Choice xmlns:p14="http://schemas.microsoft.com/office/powerpoint/2010/main" Requires="p14">
+      <p:transition spd="med" p14:dur="700" advTm="1949">
         <p:fade/>
       </p:transition>
     </mc:Choice>
-    <mc:Fallback xmlns="">
-      <p:transition spd="med" advTm="2383">
+    <mc:Fallback>
+      <p:transition spd="med" advTm="1949">
         <p:fade/>
       </p:transition>
     </mc:Fallback>
@@ -11937,14 +11937,14 @@
   <p:clrMapOvr>
     <a:masterClrMapping/>
   </p:clrMapOvr>
-  <mc:AlternateContent xmlns:mc="http://schemas.openxmlformats.org/markup-compatibility/2006" xmlns:p14="http://schemas.microsoft.com/office/powerpoint/2010/main">
-    <mc:Choice Requires="p14">
-      <p:transition spd="med" p14:dur="700" advTm="19794">
+  <mc:AlternateContent xmlns:mc="http://schemas.openxmlformats.org/markup-compatibility/2006">
+    <mc:Choice xmlns:p14="http://schemas.microsoft.com/office/powerpoint/2010/main" Requires="p14">
+      <p:transition spd="med" p14:dur="700" advTm="32920">
         <p:fade/>
       </p:transition>
     </mc:Choice>
-    <mc:Fallback xmlns="">
-      <p:transition spd="med" advTm="19794">
+    <mc:Fallback>
+      <p:transition spd="med" advTm="32920">
         <p:fade/>
       </p:transition>
     </mc:Fallback>
@@ -12124,14 +12124,14 @@
   <p:clrMapOvr>
     <a:masterClrMapping/>
   </p:clrMapOvr>
-  <mc:AlternateContent xmlns:mc="http://schemas.openxmlformats.org/markup-compatibility/2006" xmlns:p14="http://schemas.microsoft.com/office/powerpoint/2010/main">
-    <mc:Choice Requires="p14">
-      <p:transition spd="med" p14:dur="700" advTm="12326">
+  <mc:AlternateContent xmlns:mc="http://schemas.openxmlformats.org/markup-compatibility/2006">
+    <mc:Choice xmlns:p14="http://schemas.microsoft.com/office/powerpoint/2010/main" Requires="p14">
+      <p:transition spd="med" p14:dur="700" advTm="12137">
         <p:fade/>
       </p:transition>
     </mc:Choice>
-    <mc:Fallback xmlns="">
-      <p:transition spd="med" advTm="12326">
+    <mc:Fallback>
+      <p:transition spd="med" advTm="12137">
         <p:fade/>
       </p:transition>
     </mc:Fallback>
@@ -12247,14 +12247,14 @@
   <p:clrMapOvr>
     <a:masterClrMapping/>
   </p:clrMapOvr>
-  <mc:AlternateContent xmlns:mc="http://schemas.openxmlformats.org/markup-compatibility/2006" xmlns:p14="http://schemas.microsoft.com/office/powerpoint/2010/main">
-    <mc:Choice Requires="p14">
-      <p:transition spd="med" p14:dur="700" advTm="7836">
+  <mc:AlternateContent xmlns:mc="http://schemas.openxmlformats.org/markup-compatibility/2006">
+    <mc:Choice xmlns:p14="http://schemas.microsoft.com/office/powerpoint/2010/main" Requires="p14">
+      <p:transition spd="med" p14:dur="700" advTm="11768">
         <p:fade/>
       </p:transition>
     </mc:Choice>
-    <mc:Fallback xmlns="">
-      <p:transition spd="med" advTm="7836">
+    <mc:Fallback>
+      <p:transition spd="med" advTm="11768">
         <p:fade/>
       </p:transition>
     </mc:Fallback>
@@ -12398,14 +12398,14 @@
   <p:clrMapOvr>
     <a:masterClrMapping/>
   </p:clrMapOvr>
-  <mc:AlternateContent xmlns:mc="http://schemas.openxmlformats.org/markup-compatibility/2006" xmlns:p14="http://schemas.microsoft.com/office/powerpoint/2010/main">
-    <mc:Choice Requires="p14">
-      <p:transition spd="med" p14:dur="700" advTm="5112">
+  <mc:AlternateContent xmlns:mc="http://schemas.openxmlformats.org/markup-compatibility/2006">
+    <mc:Choice xmlns:p14="http://schemas.microsoft.com/office/powerpoint/2010/main" Requires="p14">
+      <p:transition spd="med" p14:dur="700" advTm="6060">
         <p:fade/>
       </p:transition>
     </mc:Choice>
-    <mc:Fallback xmlns="">
-      <p:transition spd="med" advTm="5112">
+    <mc:Fallback>
+      <p:transition spd="med" advTm="6060">
         <p:fade/>
       </p:transition>
     </mc:Fallback>
@@ -12608,14 +12608,14 @@
   <p:clrMapOvr>
     <a:masterClrMapping/>
   </p:clrMapOvr>
-  <mc:AlternateContent xmlns:mc="http://schemas.openxmlformats.org/markup-compatibility/2006" xmlns:p14="http://schemas.microsoft.com/office/powerpoint/2010/main">
-    <mc:Choice Requires="p14">
-      <p:transition spd="med" p14:dur="700" advTm="19794">
+  <mc:AlternateContent xmlns:mc="http://schemas.openxmlformats.org/markup-compatibility/2006">
+    <mc:Choice xmlns:p14="http://schemas.microsoft.com/office/powerpoint/2010/main" Requires="p14">
+      <p:transition spd="med" p14:dur="700" advTm="27877">
         <p:fade/>
       </p:transition>
     </mc:Choice>
-    <mc:Fallback xmlns="">
-      <p:transition spd="med" advTm="19794">
+    <mc:Fallback>
+      <p:transition spd="med" advTm="27877">
         <p:fade/>
       </p:transition>
     </mc:Fallback>
@@ -12713,14 +12713,14 @@
   <p:clrMapOvr>
     <a:masterClrMapping/>
   </p:clrMapOvr>
-  <mc:AlternateContent xmlns:mc="http://schemas.openxmlformats.org/markup-compatibility/2006" xmlns:p14="http://schemas.microsoft.com/office/powerpoint/2010/main">
-    <mc:Choice Requires="p14">
-      <p:transition spd="med" p14:dur="700" advTm="6422">
+  <mc:AlternateContent xmlns:mc="http://schemas.openxmlformats.org/markup-compatibility/2006">
+    <mc:Choice xmlns:p14="http://schemas.microsoft.com/office/powerpoint/2010/main" Requires="p14">
+      <p:transition spd="med" p14:dur="700" advTm="3050">
         <p:fade/>
       </p:transition>
     </mc:Choice>
-    <mc:Fallback xmlns="">
-      <p:transition spd="med" advTm="6422">
+    <mc:Fallback>
+      <p:transition spd="med" advTm="3050">
         <p:fade/>
       </p:transition>
     </mc:Fallback>
@@ -13111,14 +13111,14 @@
   <p:clrMapOvr>
     <a:masterClrMapping/>
   </p:clrMapOvr>
-  <mc:AlternateContent xmlns:mc="http://schemas.openxmlformats.org/markup-compatibility/2006" xmlns:p14="http://schemas.microsoft.com/office/powerpoint/2010/main">
-    <mc:Choice Requires="p14">
-      <p:transition spd="med" p14:dur="700" advTm="15753">
+  <mc:AlternateContent xmlns:mc="http://schemas.openxmlformats.org/markup-compatibility/2006">
+    <mc:Choice xmlns:p14="http://schemas.microsoft.com/office/powerpoint/2010/main" Requires="p14">
+      <p:transition spd="med" p14:dur="700" advTm="16146">
         <p:fade/>
       </p:transition>
     </mc:Choice>
-    <mc:Fallback xmlns="">
-      <p:transition spd="med" advTm="15753">
+    <mc:Fallback>
+      <p:transition spd="med" advTm="16146">
         <p:fade/>
       </p:transition>
     </mc:Fallback>
@@ -13224,14 +13224,14 @@
   <p:clrMapOvr>
     <a:masterClrMapping/>
   </p:clrMapOvr>
-  <mc:AlternateContent xmlns:mc="http://schemas.openxmlformats.org/markup-compatibility/2006" xmlns:p14="http://schemas.microsoft.com/office/powerpoint/2010/main">
-    <mc:Choice Requires="p14">
-      <p:transition spd="med" p14:dur="700" advTm="2084">
+  <mc:AlternateContent xmlns:mc="http://schemas.openxmlformats.org/markup-compatibility/2006">
+    <mc:Choice xmlns:p14="http://schemas.microsoft.com/office/powerpoint/2010/main" Requires="p14">
+      <p:transition spd="med" p14:dur="700" advTm="2513">
         <p:fade/>
       </p:transition>
     </mc:Choice>
-    <mc:Fallback xmlns="">
-      <p:transition spd="med" advTm="2084">
+    <mc:Fallback>
+      <p:transition spd="med" advTm="2513">
         <p:fade/>
       </p:transition>
     </mc:Fallback>
@@ -13372,14 +13372,14 @@
   <p:clrMapOvr>
     <a:masterClrMapping/>
   </p:clrMapOvr>
-  <mc:AlternateContent xmlns:mc="http://schemas.openxmlformats.org/markup-compatibility/2006" xmlns:p14="http://schemas.microsoft.com/office/powerpoint/2010/main">
-    <mc:Choice Requires="p14">
-      <p:transition spd="med" p14:dur="700" advTm="10105">
+  <mc:AlternateContent xmlns:mc="http://schemas.openxmlformats.org/markup-compatibility/2006">
+    <mc:Choice xmlns:p14="http://schemas.microsoft.com/office/powerpoint/2010/main" Requires="p14">
+      <p:transition spd="med" p14:dur="700" advTm="8396">
         <p:fade/>
       </p:transition>
     </mc:Choice>
-    <mc:Fallback xmlns="">
-      <p:transition spd="med" advTm="10105">
+    <mc:Fallback>
+      <p:transition spd="med" advTm="8396">
         <p:fade/>
       </p:transition>
     </mc:Fallback>
@@ -13520,14 +13520,14 @@
   <p:clrMapOvr>
     <a:masterClrMapping/>
   </p:clrMapOvr>
-  <mc:AlternateContent xmlns:mc="http://schemas.openxmlformats.org/markup-compatibility/2006" xmlns:p14="http://schemas.microsoft.com/office/powerpoint/2010/main">
-    <mc:Choice Requires="p14">
-      <p:transition spd="med" p14:dur="700" advTm="10105">
+  <mc:AlternateContent xmlns:mc="http://schemas.openxmlformats.org/markup-compatibility/2006">
+    <mc:Choice xmlns:p14="http://schemas.microsoft.com/office/powerpoint/2010/main" Requires="p14">
+      <p:transition spd="med" p14:dur="700" advTm="11620">
         <p:fade/>
       </p:transition>
     </mc:Choice>
-    <mc:Fallback xmlns="">
-      <p:transition spd="med" advTm="10105">
+    <mc:Fallback>
+      <p:transition spd="med" advTm="11620">
         <p:fade/>
       </p:transition>
     </mc:Fallback>
